--- a/docs/Lore.pptx
+++ b/docs/Lore.pptx
@@ -5159,7 +5159,7 @@
         </p:nvSpPr>
         <p:spPr>
           <a:xfrm>
-            <a:off x="311700" y="1089050"/>
+            <a:off x="311700" y="944725"/>
             <a:ext cx="8520600" cy="3989100"/>
           </a:xfrm>
           <a:prstGeom prst="rect">
@@ -5174,7 +5174,7 @@
           <a:p>
             <a:pPr lvl="0" rtl="0">
               <a:lnSpc>
-                <a:spcPct val="115000"/>
+                <a:spcPct val="100000"/>
               </a:lnSpc>
               <a:spcBef>
                 <a:spcPts val="0"/>
@@ -5189,7 +5189,7 @@
           <a:p>
             <a:pPr indent="-317500" lvl="0" marL="457200" rtl="0">
               <a:lnSpc>
-                <a:spcPct val="115000"/>
+                <a:spcPct val="100000"/>
               </a:lnSpc>
               <a:spcBef>
                 <a:spcPts val="0"/>
@@ -5202,7 +5202,7 @@
             </a:r>
             <a:r>
               <a:rPr lang="en" sz="1400"/>
-              <a:t>Lore should include the option of using a database instead of tracking events in memory to prevent it from being overwhelmed by large datasets. While a NoSQL approach would work, the data geodata tends be highly structured, making a traditional SQL database an equally viable option. This would allow easy saving and comparison f data from multiple runs.</a:t>
+              <a:t>Lore should include the option of using a database instead of tracking events in memory to prevent it from being overwhelmed by large datasets. While a NoSQL approach would work, the geodata tends be highly structured, making a traditional SQL database an equally viable option. This would allow easy saving and comparison of data from multiple runs.</a:t>
             </a:r>
           </a:p>
           <a:p>
@@ -5217,7 +5217,7 @@
             </a:pPr>
             <a:r>
               <a:rPr lang="en" sz="1400"/>
-              <a:t>Convert time from sim to real-world - Entity information should display real world time, rather than sim time by default.</a:t>
+              <a:t>Convert time from sim to real-world - Event information should display real world time, rather than sim time by default.</a:t>
             </a:r>
           </a:p>
           <a:p>
@@ -5247,7 +5247,7 @@
             </a:pPr>
             <a:r>
               <a:rPr lang="en" sz="1400"/>
-              <a:t>Add crossfilter - It should be possible to filter based on entity state, type, or process.</a:t>
+              <a:t>Add crossfilter - It should be possible to filter based on entity state, type, or process (allow filtering on subsets of the global statistics).</a:t>
             </a:r>
           </a:p>
           <a:p>
@@ -5270,7 +5270,7 @@
             </a:r>
             <a:r>
               <a:rPr lang="en" sz="1400"/>
-              <a:t> to a kml movie</a:t>
+              <a:t> to a kml movie.</a:t>
             </a:r>
           </a:p>
           <a:p>
